--- a/Project_Design/피드백 변경 내용.pptx
+++ b/Project_Design/피드백 변경 내용.pptx
@@ -2,7 +2,7 @@
 <file path=ppt/presentation.xml><?xml version="1.0" encoding="utf-8"?>
 <p:presentation xmlns:a="http://schemas.openxmlformats.org/drawingml/2006/main" xmlns:r="http://schemas.openxmlformats.org/officeDocument/2006/relationships" xmlns:p="http://schemas.openxmlformats.org/presentationml/2006/main" xmlns:p14="http://schemas.microsoft.com/office/powerpoint/2010/main" saveSubsetFonts="1">
   <p:sldMasterIdLst>
-    <p:sldMasterId id="2147483779" r:id="rId13"/>
+    <p:sldMasterId id="2147483781" r:id="rId13"/>
   </p:sldMasterIdLst>
   <p:notesMasterIdLst>
     <p:notesMasterId r:id="rId17"/>
@@ -12,15 +12,15 @@
   </p:handoutMasterIdLst>
   <p:sldIdLst>
     <p:sldId id="256" r:id="rId19"/>
-    <p:sldId id="257" r:id="rId20"/>
-    <p:sldId id="258" r:id="rId21"/>
-    <p:sldId id="259" r:id="rId22"/>
-    <p:sldId id="260" r:id="rId23"/>
-    <p:sldId id="261" r:id="rId24"/>
-    <p:sldId id="262" r:id="rId25"/>
-    <p:sldId id="263" r:id="rId26"/>
-    <p:sldId id="264" r:id="rId27"/>
-    <p:sldId id="265" r:id="rId28"/>
+    <p:sldId id="257" r:id="rId21"/>
+    <p:sldId id="258" r:id="rId23"/>
+    <p:sldId id="259" r:id="rId25"/>
+    <p:sldId id="260" r:id="rId27"/>
+    <p:sldId id="261" r:id="rId29"/>
+    <p:sldId id="262" r:id="rId31"/>
+    <p:sldId id="263" r:id="rId33"/>
+    <p:sldId id="264" r:id="rId34"/>
+    <p:sldId id="265" r:id="rId36"/>
   </p:sldIdLst>
   <p:sldSz cx="12192000" cy="6858000"/>
   <p:notesSz cx="6858000" cy="9144000"/>
@@ -7187,7 +7187,7 @@
 </file>
 
 <file path=ppt/slides/slide8.xml><?xml version="1.0" encoding="utf-8"?>
-<p:sld xmlns:a="http://schemas.openxmlformats.org/drawingml/2006/main" xmlns:r="http://schemas.openxmlformats.org/officeDocument/2006/relationships" xmlns:p="http://schemas.openxmlformats.org/presentationml/2006/main">
+<p:sld xmlns:a="http://schemas.openxmlformats.org/drawingml/2006/main" xmlns:r="http://schemas.openxmlformats.org/officeDocument/2006/relationships" xmlns:p="http://schemas.openxmlformats.org/presentationml/2006/main" xmlns:p14="http://schemas.microsoft.com/office/powerpoint/2010/main">
   <p:cSld>
     <p:spTree>
       <p:nvGrpSpPr>
@@ -7352,17 +7352,17 @@
       </p:sp>
       <p:pic>
         <p:nvPicPr>
-          <p:cNvPr id="6" name="그림 16" descr="C:/Users/asdf7/AppData/Roaming/PolarisOffice/ETemp/1544_9824064/fImage1416243209358.png"/>
+          <p:cNvPr id="6" name="그림 16" descr="C:/Users/asdf7/AppData/Roaming/PolarisOffice/ETemp/18764_21556080/fImage1416243209358.png"/>
           <p:cNvPicPr>
             <a:picLocks noChangeAspect="1"/>
           </p:cNvPicPr>
           <p:nvPr/>
         </p:nvPicPr>
         <p:blipFill rotWithShape="1">
-          <a:blip r:embed="rId2" cstate="print">
+          <a:blip r:embed="rId2" cstate="hqprint">
             <a:extLst>
               <a:ext uri="{28A0092B-C50C-407E-A947-70E740481C1C}">
-                <a14:useLocalDpi xmlns:a14="http://schemas.microsoft.com/office/drawing/2010/main" val="0"/>
+                <a14:useLocalDpi xmlns:a14="http://schemas.microsoft.com/office/drawing/2010/main"/>
               </a:ext>
             </a:extLst>
           </a:blip>
@@ -7372,8 +7372,8 @@
         </p:blipFill>
         <p:spPr>
           <a:xfrm rot="0">
-            <a:off x="2117090" y="71755"/>
-            <a:ext cx="6993890" cy="4890135"/>
+            <a:off x="2153920" y="53340"/>
+            <a:ext cx="6994525" cy="4890770"/>
           </a:xfrm>
           <a:prstGeom prst="rect"/>
           <a:noFill/>
